--- a/Notes and Slides/CIS399Wk2Day3b-Menu+Settings copy.pptx
+++ b/Notes and Slides/CIS399Wk2Day3b-Menu+Settings copy.pptx
@@ -142,7 +142,7 @@
   </p:defaultTextStyle>
   <p:extLst>
     <p:ext uri="{EFAFB233-063F-42B5-8137-9DF3F51BA10A}">
-      <p15:sldGuideLst xmlns="" xmlns:p15="http://schemas.microsoft.com/office/powerpoint/2012/main">
+      <p15:sldGuideLst xmlns:p15="http://schemas.microsoft.com/office/powerpoint/2012/main">
         <p15:guide id="1" orient="horz" pos="2160">
           <p15:clr>
             <a:srgbClr val="A4A3A4"/>
@@ -241,7 +241,7 @@
           <a:p>
             <a:fld id="{1FC32AA1-1225-9048-80C3-2B6F58548154}" type="datetimeFigureOut">
               <a:rPr lang="en-US" smtClean="0"/>
-              <a:t>6/29/16</a:t>
+              <a:t>7/5/17</a:t>
             </a:fld>
             <a:endParaRPr lang="en-US"/>
           </a:p>
@@ -1009,7 +1009,7 @@
           <a:p>
             <a:fld id="{12110144-19AD-4D4E-902D-E18AF93089D3}" type="datetimeFigureOut">
               <a:rPr lang="en-US" smtClean="0"/>
-              <a:t>6/29/16</a:t>
+              <a:t>7/5/17</a:t>
             </a:fld>
             <a:endParaRPr lang="en-US"/>
           </a:p>
@@ -1179,7 +1179,7 @@
           <a:p>
             <a:fld id="{12110144-19AD-4D4E-902D-E18AF93089D3}" type="datetimeFigureOut">
               <a:rPr lang="en-US" smtClean="0"/>
-              <a:t>6/29/16</a:t>
+              <a:t>7/5/17</a:t>
             </a:fld>
             <a:endParaRPr lang="en-US"/>
           </a:p>
@@ -1359,7 +1359,7 @@
           <a:p>
             <a:fld id="{12110144-19AD-4D4E-902D-E18AF93089D3}" type="datetimeFigureOut">
               <a:rPr lang="en-US" smtClean="0"/>
-              <a:t>6/29/16</a:t>
+              <a:t>7/5/17</a:t>
             </a:fld>
             <a:endParaRPr lang="en-US"/>
           </a:p>
@@ -1529,7 +1529,7 @@
           <a:p>
             <a:fld id="{12110144-19AD-4D4E-902D-E18AF93089D3}" type="datetimeFigureOut">
               <a:rPr lang="en-US" smtClean="0"/>
-              <a:t>6/29/16</a:t>
+              <a:t>7/5/17</a:t>
             </a:fld>
             <a:endParaRPr lang="en-US"/>
           </a:p>
@@ -1775,7 +1775,7 @@
           <a:p>
             <a:fld id="{12110144-19AD-4D4E-902D-E18AF93089D3}" type="datetimeFigureOut">
               <a:rPr lang="en-US" smtClean="0"/>
-              <a:t>6/29/16</a:t>
+              <a:t>7/5/17</a:t>
             </a:fld>
             <a:endParaRPr lang="en-US"/>
           </a:p>
@@ -2063,7 +2063,7 @@
           <a:p>
             <a:fld id="{12110144-19AD-4D4E-902D-E18AF93089D3}" type="datetimeFigureOut">
               <a:rPr lang="en-US" smtClean="0"/>
-              <a:t>6/29/16</a:t>
+              <a:t>7/5/17</a:t>
             </a:fld>
             <a:endParaRPr lang="en-US"/>
           </a:p>
@@ -2485,7 +2485,7 @@
           <a:p>
             <a:fld id="{12110144-19AD-4D4E-902D-E18AF93089D3}" type="datetimeFigureOut">
               <a:rPr lang="en-US" smtClean="0"/>
-              <a:t>6/29/16</a:t>
+              <a:t>7/5/17</a:t>
             </a:fld>
             <a:endParaRPr lang="en-US"/>
           </a:p>
@@ -2603,7 +2603,7 @@
           <a:p>
             <a:fld id="{12110144-19AD-4D4E-902D-E18AF93089D3}" type="datetimeFigureOut">
               <a:rPr lang="en-US" smtClean="0"/>
-              <a:t>6/29/16</a:t>
+              <a:t>7/5/17</a:t>
             </a:fld>
             <a:endParaRPr lang="en-US"/>
           </a:p>
@@ -2698,7 +2698,7 @@
           <a:p>
             <a:fld id="{12110144-19AD-4D4E-902D-E18AF93089D3}" type="datetimeFigureOut">
               <a:rPr lang="en-US" smtClean="0"/>
-              <a:t>6/29/16</a:t>
+              <a:t>7/5/17</a:t>
             </a:fld>
             <a:endParaRPr lang="en-US"/>
           </a:p>
@@ -2975,7 +2975,7 @@
           <a:p>
             <a:fld id="{12110144-19AD-4D4E-902D-E18AF93089D3}" type="datetimeFigureOut">
               <a:rPr lang="en-US" smtClean="0"/>
-              <a:t>6/29/16</a:t>
+              <a:t>7/5/17</a:t>
             </a:fld>
             <a:endParaRPr lang="en-US"/>
           </a:p>
@@ -3228,7 +3228,7 @@
           <a:p>
             <a:fld id="{12110144-19AD-4D4E-902D-E18AF93089D3}" type="datetimeFigureOut">
               <a:rPr lang="en-US" smtClean="0"/>
-              <a:t>6/29/16</a:t>
+              <a:t>7/5/17</a:t>
             </a:fld>
             <a:endParaRPr lang="en-US"/>
           </a:p>
@@ -3459,7 +3459,7 @@
           <a:p>
             <a:fld id="{12110144-19AD-4D4E-902D-E18AF93089D3}" type="datetimeFigureOut">
               <a:rPr lang="en-US" smtClean="0"/>
-              <a:t>6/29/16</a:t>
+              <a:t>7/5/17</a:t>
             </a:fld>
             <a:endParaRPr lang="en-US"/>
           </a:p>
@@ -4492,7 +4492,7 @@
           <a:graphicData uri="http://schemas.openxmlformats.org/presentationml/2006/ole">
             <mc:AlternateContent xmlns:mc="http://schemas.openxmlformats.org/markup-compatibility/2006">
               <mc:Choice xmlns:v="urn:schemas-microsoft-com:vml" Requires="v">
-                <p:oleObj spid="_x0000_s6153" name="Document" r:id="rId3" imgW="6864202" imgH="2647457" progId="Word.Document.12">
+                <p:oleObj spid="_x0000_s6156" name="Document" r:id="rId3" imgW="6864202" imgH="2647457" progId="Word.Document.12">
                   <p:embed/>
                 </p:oleObj>
               </mc:Choice>
@@ -4807,7 +4807,7 @@
           <a:graphicData uri="http://schemas.openxmlformats.org/presentationml/2006/ole">
             <mc:AlternateContent xmlns:mc="http://schemas.openxmlformats.org/markup-compatibility/2006">
               <mc:Choice xmlns:v="urn:schemas-microsoft-com:vml" Requires="v">
-                <p:oleObj spid="_x0000_s7177" name="Document" r:id="rId3" imgW="6864119" imgH="1810262" progId="Word.Document.12">
+                <p:oleObj spid="_x0000_s7180" name="Document" r:id="rId3" imgW="6864119" imgH="1810262" progId="Word.Document.12">
                   <p:embed/>
                 </p:oleObj>
               </mc:Choice>
@@ -5006,7 +5006,7 @@
           <a:graphicData uri="http://schemas.openxmlformats.org/presentationml/2006/ole">
             <mc:AlternateContent xmlns:mc="http://schemas.openxmlformats.org/markup-compatibility/2006">
               <mc:Choice xmlns:v="urn:schemas-microsoft-com:vml" Requires="v">
-                <p:oleObj spid="_x0000_s8201" name="Document" r:id="rId3" imgW="6864119" imgH="3630264" progId="Word.Document.12">
+                <p:oleObj spid="_x0000_s8204" name="Document" r:id="rId3" imgW="6864119" imgH="3630264" progId="Word.Document.12">
                   <p:embed/>
                 </p:oleObj>
               </mc:Choice>
@@ -5205,7 +5205,7 @@
           <a:graphicData uri="http://schemas.openxmlformats.org/presentationml/2006/ole">
             <mc:AlternateContent xmlns:mc="http://schemas.openxmlformats.org/markup-compatibility/2006">
               <mc:Choice xmlns:v="urn:schemas-microsoft-com:vml" Requires="v">
-                <p:oleObj spid="_x0000_s9225" name="Document" r:id="rId3" imgW="6864119" imgH="2499301" progId="Word.Document.12">
+                <p:oleObj spid="_x0000_s9228" name="Document" r:id="rId3" imgW="6864119" imgH="2499301" progId="Word.Document.12">
                   <p:embed/>
                 </p:oleObj>
               </mc:Choice>
@@ -5404,7 +5404,7 @@
           <a:graphicData uri="http://schemas.openxmlformats.org/presentationml/2006/ole">
             <mc:AlternateContent xmlns:mc="http://schemas.openxmlformats.org/markup-compatibility/2006">
               <mc:Choice xmlns:v="urn:schemas-microsoft-com:vml" Requires="v">
-                <p:oleObj spid="_x0000_s10249" name="Document" r:id="rId3" imgW="7359921" imgH="4441238" progId="Word.Document.12">
+                <p:oleObj spid="_x0000_s10252" name="Document" r:id="rId3" imgW="7359921" imgH="4441238" progId="Word.Document.12">
                   <p:embed/>
                 </p:oleObj>
               </mc:Choice>
@@ -5501,9 +5501,16 @@
             <p:ph type="title"/>
           </p:nvPr>
         </p:nvSpPr>
-        <p:spPr/>
-        <p:txBody>
-          <a:bodyPr/>
+        <p:spPr>
+          <a:xfrm>
+            <a:off x="457200" y="274638"/>
+            <a:ext cx="8229600" cy="736581"/>
+          </a:xfrm>
+        </p:spPr>
+        <p:txBody>
+          <a:bodyPr>
+            <a:normAutofit fontScale="90000"/>
+          </a:bodyPr>
           <a:lstStyle/>
           <a:p>
             <a:r>
@@ -5532,7 +5539,12 @@
             <p:ph idx="1"/>
           </p:nvPr>
         </p:nvSpPr>
-        <p:spPr/>
+        <p:spPr>
+          <a:xfrm>
+            <a:off x="457200" y="1108038"/>
+            <a:ext cx="8229600" cy="5018125"/>
+          </a:xfrm>
+        </p:spPr>
         <p:txBody>
           <a:bodyPr>
             <a:normAutofit fontScale="92500" lnSpcReduction="20000"/>
@@ -5545,8 +5557,9 @@
             </a:r>
             <a:r>
               <a:rPr lang="en-US" dirty="0" smtClean="0"/>
-              <a:t>ch08_ex1_TipCalcualtor</a:t>
-            </a:r>
+              <a:t>the ch08_ex1_TipCalcualtor project</a:t>
+            </a:r>
+            <a:endParaRPr lang="en-US" dirty="0" smtClean="0"/>
           </a:p>
           <a:p>
             <a:r>
@@ -5554,7 +5567,11 @@
               <a:t>Put a breakpoint in </a:t>
             </a:r>
             <a:r>
-              <a:rPr lang="en-US" dirty="0" err="1" smtClean="0"/>
+              <a:rPr lang="en-US" dirty="0" err="1" smtClean="0">
+                <a:latin typeface="Courier" charset="0"/>
+                <a:ea typeface="Courier" charset="0"/>
+                <a:cs typeface="Courier" charset="0"/>
+              </a:rPr>
               <a:t>onCreateOptionMenu</a:t>
             </a:r>
             <a:r>
@@ -5565,18 +5582,37 @@
           <a:p>
             <a:r>
               <a:rPr lang="en-US" dirty="0" smtClean="0"/>
-              <a:t>Put breakpoints in </a:t>
-            </a:r>
-            <a:r>
-              <a:rPr lang="en-US" dirty="0" err="1" smtClean="0"/>
+              <a:t>Put breakpoints </a:t>
+            </a:r>
+            <a:r>
+              <a:rPr lang="en-US" dirty="0" smtClean="0"/>
+              <a:t>in each of the callback methods below and then run the app in debug mode</a:t>
+            </a:r>
+          </a:p>
+          <a:p>
+            <a:pPr lvl="1"/>
+            <a:r>
+              <a:rPr lang="en-US" dirty="0" smtClean="0"/>
+              <a:t> </a:t>
+            </a:r>
+            <a:r>
+              <a:rPr lang="en-US" dirty="0" err="1" smtClean="0">
+                <a:latin typeface="Courier" charset="0"/>
+                <a:ea typeface="Courier" charset="0"/>
+                <a:cs typeface="Courier" charset="0"/>
+              </a:rPr>
               <a:t>onOptionsItemSelected</a:t>
             </a:r>
-            <a:r>
-              <a:rPr lang="en-US" dirty="0" smtClean="0"/>
-              <a:t> and in </a:t>
-            </a:r>
-            <a:r>
-              <a:rPr lang="en-US" dirty="0" err="1" smtClean="0"/>
+            <a:endParaRPr lang="en-US" dirty="0"/>
+          </a:p>
+          <a:p>
+            <a:pPr lvl="1"/>
+            <a:r>
+              <a:rPr lang="en-US" dirty="0" err="1" smtClean="0">
+                <a:latin typeface="Courier" charset="0"/>
+                <a:ea typeface="Courier" charset="0"/>
+                <a:cs typeface="Courier" charset="0"/>
+              </a:rPr>
               <a:t>AboutActivity</a:t>
             </a:r>
             <a:r>
@@ -5584,29 +5620,50 @@
               <a:t>, </a:t>
             </a:r>
             <a:r>
+              <a:rPr lang="en-US" dirty="0" err="1" smtClean="0">
+                <a:latin typeface="Courier" charset="0"/>
+                <a:ea typeface="Courier" charset="0"/>
+                <a:cs typeface="Courier" charset="0"/>
+              </a:rPr>
+              <a:t>onCreate</a:t>
+            </a:r>
+            <a:r>
+              <a:rPr lang="en-US" dirty="0" smtClean="0"/>
+              <a:t> </a:t>
+            </a:r>
+            <a:endParaRPr lang="en-US" dirty="0" smtClean="0"/>
+          </a:p>
+          <a:p>
+            <a:pPr lvl="1"/>
+            <a:r>
+              <a:rPr lang="en-US" dirty="0" err="1" smtClean="0">
+                <a:latin typeface="Courier" charset="0"/>
+                <a:ea typeface="Courier" charset="0"/>
+                <a:cs typeface="Courier" charset="0"/>
+              </a:rPr>
+              <a:t>SettingsActivity</a:t>
+            </a:r>
+            <a:r>
+              <a:rPr lang="en-US" dirty="0" smtClean="0">
+                <a:latin typeface="Courier" charset="0"/>
+                <a:ea typeface="Courier" charset="0"/>
+                <a:cs typeface="Courier" charset="0"/>
+              </a:rPr>
+              <a:t>,</a:t>
+            </a:r>
+            <a:r>
+              <a:rPr lang="en-US" dirty="0" smtClean="0"/>
+              <a:t> </a:t>
+            </a:r>
+            <a:r>
               <a:rPr lang="en-US" dirty="0" err="1" smtClean="0"/>
               <a:t>onCreate</a:t>
             </a:r>
             <a:r>
               <a:rPr lang="en-US" dirty="0" smtClean="0"/>
-              <a:t> and in </a:t>
-            </a:r>
-            <a:r>
-              <a:rPr lang="en-US" dirty="0" err="1" smtClean="0"/>
-              <a:t>SettinsActivity</a:t>
-            </a:r>
-            <a:r>
-              <a:rPr lang="en-US" dirty="0" smtClean="0"/>
               <a:t> </a:t>
             </a:r>
-            <a:r>
-              <a:rPr lang="en-US" dirty="0" err="1" smtClean="0"/>
-              <a:t>onCreate</a:t>
-            </a:r>
-            <a:r>
-              <a:rPr lang="en-US" dirty="0" smtClean="0"/>
-              <a:t> and run the app in debug mode</a:t>
-            </a:r>
+            <a:endParaRPr lang="en-US" dirty="0" smtClean="0"/>
           </a:p>
           <a:p>
             <a:r>
@@ -5615,24 +5672,48 @@
             </a:r>
             <a:r>
               <a:rPr lang="en-US" dirty="0"/>
-              <a:t>each of these methods, how might the code change in a different app?</a:t>
+              <a:t>each of </a:t>
+            </a:r>
+            <a:r>
+              <a:rPr lang="en-US" dirty="0" smtClean="0"/>
+              <a:t>the methods below, </a:t>
+            </a:r>
+            <a:r>
+              <a:rPr lang="en-US" dirty="0"/>
+              <a:t>how might the code change in a different app?</a:t>
             </a:r>
           </a:p>
           <a:p>
             <a:pPr lvl="1"/>
             <a:r>
-              <a:rPr lang="en-US" dirty="0" err="1" smtClean="0"/>
+              <a:rPr lang="en-US" dirty="0" err="1" smtClean="0">
+                <a:latin typeface="Courier" charset="0"/>
+                <a:ea typeface="Courier" charset="0"/>
+                <a:cs typeface="Courier" charset="0"/>
+              </a:rPr>
               <a:t>onCreateOptionMenu</a:t>
             </a:r>
-            <a:endParaRPr lang="en-US" dirty="0" smtClean="0"/>
+            <a:endParaRPr lang="en-US" dirty="0" smtClean="0">
+              <a:latin typeface="Courier" charset="0"/>
+              <a:ea typeface="Courier" charset="0"/>
+              <a:cs typeface="Courier" charset="0"/>
+            </a:endParaRPr>
           </a:p>
           <a:p>
             <a:pPr lvl="1"/>
             <a:r>
-              <a:rPr lang="en-US" dirty="0" err="1" smtClean="0"/>
+              <a:rPr lang="en-US" dirty="0" err="1" smtClean="0">
+                <a:latin typeface="Courier" charset="0"/>
+                <a:ea typeface="Courier" charset="0"/>
+                <a:cs typeface="Courier" charset="0"/>
+              </a:rPr>
               <a:t>onOptionsItemSelected</a:t>
             </a:r>
-            <a:endParaRPr lang="en-US" dirty="0" smtClean="0"/>
+            <a:endParaRPr lang="en-US" dirty="0" smtClean="0">
+              <a:latin typeface="Courier" charset="0"/>
+              <a:ea typeface="Courier" charset="0"/>
+              <a:cs typeface="Courier" charset="0"/>
+            </a:endParaRPr>
           </a:p>
           <a:p>
             <a:pPr lvl="1"/>
@@ -5753,7 +5834,6 @@
               <a:rPr lang="en-US" dirty="0" smtClean="0"/>
               <a:t>Do Exercise 8-2, Work with Menus, in the textbook</a:t>
             </a:r>
-            <a:endParaRPr lang="en-US" dirty="0" smtClean="0"/>
           </a:p>
           <a:p>
             <a:r>
@@ -5917,7 +5997,7 @@
         </p:nvGraphicFramePr>
         <p:xfrm>
           <a:off x="457200" y="1600200"/>
-          <a:ext cx="3811200" cy="5152683"/>
+          <a:ext cx="3811200" cy="5152684"/>
         </p:xfrm>
         <a:graphic>
           <a:graphicData uri="http://schemas.openxmlformats.org/drawingml/2006/table">
@@ -6715,6 +6795,30 @@
           </a:prstGeom>
         </p:spPr>
       </p:pic>
+      <p:pic>
+        <p:nvPicPr>
+          <p:cNvPr id="4" name="Picture 3"/>
+          <p:cNvPicPr>
+            <a:picLocks noChangeAspect="1"/>
+          </p:cNvPicPr>
+          <p:nvPr/>
+        </p:nvPicPr>
+        <p:blipFill>
+          <a:blip r:embed="rId2"/>
+          <a:stretch>
+            <a:fillRect/>
+          </a:stretch>
+        </p:blipFill>
+        <p:spPr>
+          <a:xfrm>
+            <a:off x="2721070" y="2147342"/>
+            <a:ext cx="3701862" cy="3701862"/>
+          </a:xfrm>
+          <a:prstGeom prst="rect">
+            <a:avLst/>
+          </a:prstGeom>
+        </p:spPr>
+      </p:pic>
     </p:spTree>
     <p:extLst>
       <p:ext uri="{BB962C8B-B14F-4D97-AF65-F5344CB8AC3E}">
@@ -8077,7 +8181,7 @@
           <a:graphicData uri="http://schemas.openxmlformats.org/presentationml/2006/ole">
             <mc:AlternateContent xmlns:mc="http://schemas.openxmlformats.org/markup-compatibility/2006">
               <mc:Choice xmlns:v="urn:schemas-microsoft-com:vml" Requires="v">
-                <p:oleObj spid="_x0000_s11271" name="Document" r:id="rId4" imgW="6864202" imgH="5210639" progId="Word.Document.12">
+                <p:oleObj spid="_x0000_s11274" name="Document" r:id="rId4" imgW="6864202" imgH="5210639" progId="Word.Document.12">
                   <p:embed/>
                 </p:oleObj>
               </mc:Choice>
@@ -13167,15 +13271,7 @@
                   <a:srgbClr val="2D2DB9"/>
                 </a:solidFill>
               </a:rPr>
-              <a:t>Textbook </a:t>
-            </a:r>
-            <a:r>
-              <a:rPr lang="en-US" b="1" dirty="0" smtClean="0">
-                <a:solidFill>
-                  <a:srgbClr val="2D2DB9"/>
-                </a:solidFill>
-              </a:rPr>
-              <a:t>Exercise</a:t>
+              <a:t>Textbook Exercise</a:t>
             </a:r>
             <a:endParaRPr lang="en-US" b="1" dirty="0">
               <a:solidFill>
@@ -13267,7 +13363,6 @@
               <a:rPr lang="en-US" dirty="0" smtClean="0"/>
               <a:t>, disable Default Tip Percent when Remember Tip Percent is unchecked</a:t>
             </a:r>
-            <a:endParaRPr lang="en-US" dirty="0" smtClean="0"/>
           </a:p>
           <a:p>
             <a:pPr lvl="1"/>
@@ -14310,7 +14405,7 @@
           <a:graphicData uri="http://schemas.openxmlformats.org/presentationml/2006/ole">
             <mc:AlternateContent xmlns:mc="http://schemas.openxmlformats.org/markup-compatibility/2006">
               <mc:Choice xmlns:v="urn:schemas-microsoft-com:vml" Requires="v">
-                <p:oleObj spid="_x0000_s1044" name="Document" r:id="rId3" imgW="6965814" imgH="779723" progId="Word.Document.12">
+                <p:oleObj spid="_x0000_s1049" name="Document" r:id="rId3" imgW="6965814" imgH="779723" progId="Word.Document.12">
                   <p:embed/>
                 </p:oleObj>
               </mc:Choice>
@@ -14397,7 +14492,7 @@
           <a:graphicData uri="http://schemas.openxmlformats.org/presentationml/2006/ole">
             <mc:AlternateContent xmlns:mc="http://schemas.openxmlformats.org/markup-compatibility/2006">
               <mc:Choice xmlns:v="urn:schemas-microsoft-com:vml" Requires="v">
-                <p:oleObj spid="_x0000_s1045" name="Document" r:id="rId6" imgW="6965814" imgH="1055958" progId="Word.Document.12">
+                <p:oleObj spid="_x0000_s1050" name="Document" r:id="rId6" imgW="6965814" imgH="1055958" progId="Word.Document.12">
                   <p:embed/>
                 </p:oleObj>
               </mc:Choice>
@@ -14626,7 +14721,7 @@
           <a:graphicData uri="http://schemas.openxmlformats.org/presentationml/2006/ole">
             <mc:AlternateContent xmlns:mc="http://schemas.openxmlformats.org/markup-compatibility/2006">
               <mc:Choice xmlns:v="urn:schemas-microsoft-com:vml" Requires="v">
-                <p:oleObj spid="_x0000_s2059" name="Document" r:id="rId3" imgW="7349921" imgH="1146715" progId="Word.Document.12">
+                <p:oleObj spid="_x0000_s2062" name="Document" r:id="rId3" imgW="7349921" imgH="1146715" progId="Word.Document.12">
                   <p:embed/>
                 </p:oleObj>
               </mc:Choice>
@@ -14970,7 +15065,7 @@
           <a:graphicData uri="http://schemas.openxmlformats.org/presentationml/2006/ole">
             <mc:AlternateContent xmlns:mc="http://schemas.openxmlformats.org/markup-compatibility/2006">
               <mc:Choice xmlns:v="urn:schemas-microsoft-com:vml" Requires="v">
-                <p:oleObj spid="_x0000_s3084" name="Document" r:id="rId4" imgW="6864202" imgH="3644710" progId="Word.Document.12">
+                <p:oleObj spid="_x0000_s3087" name="Document" r:id="rId4" imgW="6864202" imgH="3644710" progId="Word.Document.12">
                   <p:embed/>
                 </p:oleObj>
               </mc:Choice>
